--- a/Presentation_du_projet.pptx
+++ b/Presentation_du_projet.pptx
@@ -5,10 +5,10 @@
     <p:sldMasterId id="2147483648" r:id="rId1"/>
   </p:sldMasterIdLst>
   <p:notesMasterIdLst>
-    <p:notesMasterId r:id="rId14"/>
+    <p:notesMasterId r:id="rId15"/>
   </p:notesMasterIdLst>
   <p:handoutMasterIdLst>
-    <p:handoutMasterId r:id="rId15"/>
+    <p:handoutMasterId r:id="rId16"/>
   </p:handoutMasterIdLst>
   <p:sldIdLst>
     <p:sldId id="258" r:id="rId3"/>
@@ -17,11 +17,12 @@
     <p:sldId id="262" r:id="rId6"/>
     <p:sldId id="277" r:id="rId7"/>
     <p:sldId id="276" r:id="rId8"/>
-    <p:sldId id="265" r:id="rId9"/>
-    <p:sldId id="263" r:id="rId10"/>
-    <p:sldId id="259" r:id="rId11"/>
-    <p:sldId id="278" r:id="rId12"/>
-    <p:sldId id="274" r:id="rId13"/>
+    <p:sldId id="284" r:id="rId9"/>
+    <p:sldId id="265" r:id="rId10"/>
+    <p:sldId id="263" r:id="rId11"/>
+    <p:sldId id="259" r:id="rId12"/>
+    <p:sldId id="278" r:id="rId13"/>
+    <p:sldId id="274" r:id="rId14"/>
   </p:sldIdLst>
   <p:sldSz cx="12192000" cy="6858000"/>
   <p:notesSz cx="6858000" cy="9144000"/>
@@ -3481,7 +3482,7 @@
         <p:spPr>
           <a:xfrm>
             <a:off x="231140" y="285750"/>
-            <a:ext cx="11670665" cy="1477010"/>
+            <a:ext cx="11670665" cy="1969770"/>
           </a:xfrm>
           <a:prstGeom prst="rect">
             <a:avLst/>
@@ -3500,11 +3501,14 @@
                 <a:solidFill>
                   <a:schemeClr val="bg1"/>
                 </a:solidFill>
-                <a:latin typeface="Times New Roman" panose="02020603050405020304" charset="0"/>
-                <a:ea typeface="Calibri" panose="020F0502020204030204" pitchFamily="34" charset="0"/>
-                <a:cs typeface="Times New Roman" panose="02020603050405020304" charset="0"/>
-              </a:rPr>
-              <a:t>Projet 4 :</a:t>
+                <a:highlight>
+                  <a:srgbClr val="FF0000"/>
+                </a:highlight>
+                <a:latin typeface="Times New Roman" panose="02020603050405020304" charset="0"/>
+                <a:ea typeface="Calibri" panose="020F0502020204030204" pitchFamily="34" charset="0"/>
+                <a:cs typeface="Times New Roman" panose="02020603050405020304" charset="0"/>
+              </a:rPr>
+              <a:t>Théme Projet 4 :</a:t>
             </a:r>
             <a:r>
               <a:rPr lang="fr-FR" altLang="en-US" sz="4800" b="1" dirty="0">
@@ -3613,8 +3617,8 @@
         </p:nvSpPr>
         <p:spPr>
           <a:xfrm>
-            <a:off x="98425" y="3502856"/>
-            <a:ext cx="6086475" cy="3084000"/>
+            <a:off x="98425" y="3502660"/>
+            <a:ext cx="6259830" cy="3241675"/>
           </a:xfrm>
           <a:prstGeom prst="roundRect">
             <a:avLst>
@@ -3807,7 +3811,7 @@
         <p:spPr>
           <a:xfrm>
             <a:off x="347979" y="4370864"/>
-            <a:ext cx="5587365" cy="2215991"/>
+            <a:ext cx="5587365" cy="2215515"/>
           </a:xfrm>
           <a:prstGeom prst="rect">
             <a:avLst/>
@@ -3987,7 +3991,7 @@
                 <a:ea typeface="Calibri" panose="020F0502020204030204" pitchFamily="34" charset="0"/>
                 <a:cs typeface="Times New Roman" panose="02020603050405020304" charset="0"/>
               </a:rPr>
-              <a:t>	     Maryse GAHOU</a:t>
+              <a:t>	     Ayawavi Delali Irène EDOH</a:t>
             </a:r>
             <a:endParaRPr lang="fr-FR" altLang="zh-CN" b="1" dirty="0" smtClean="0">
               <a:latin typeface="Times New Roman" panose="02020603050405020304" charset="0"/>
@@ -4129,6 +4133,363 @@
           <a:chExt cx="0" cy="0"/>
         </a:xfrm>
       </p:grpSpPr>
+      <p:pic>
+        <p:nvPicPr>
+          <p:cNvPr id="3" name="图片 2"/>
+          <p:cNvPicPr>
+            <a:picLocks noChangeAspect="1"/>
+          </p:cNvPicPr>
+          <p:nvPr/>
+        </p:nvPicPr>
+        <p:blipFill>
+          <a:blip r:embed="rId1"/>
+          <a:stretch>
+            <a:fillRect/>
+          </a:stretch>
+        </p:blipFill>
+        <p:spPr>
+          <a:xfrm>
+            <a:off x="125095" y="1177925"/>
+            <a:ext cx="6897370" cy="5051425"/>
+          </a:xfrm>
+          <a:prstGeom prst="rect">
+            <a:avLst/>
+          </a:prstGeom>
+        </p:spPr>
+      </p:pic>
+      <p:sp>
+        <p:nvSpPr>
+          <p:cNvPr id="9" name="文本框 4"/>
+          <p:cNvSpPr txBox="1"/>
+          <p:nvPr/>
+        </p:nvSpPr>
+        <p:spPr>
+          <a:xfrm>
+            <a:off x="0" y="0"/>
+            <a:ext cx="12070080" cy="882015"/>
+          </a:xfrm>
+          <a:prstGeom prst="rect">
+            <a:avLst/>
+          </a:prstGeom>
+          <a:solidFill>
+            <a:srgbClr val="FF0000"/>
+          </a:solidFill>
+          <a:ln>
+            <a:noFill/>
+          </a:ln>
+        </p:spPr>
+        <p:txBody>
+          <a:bodyPr wrap="square" rtlCol="0">
+            <a:noAutofit/>
+          </a:bodyPr>
+          <a:lstStyle/>
+          <a:p>
+            <a:pPr algn="l"/>
+            <a:r>
+              <a:rPr lang="fr-FR" altLang="zh-CN" sz="4800" b="1" dirty="0" smtClean="0">
+                <a:solidFill>
+                  <a:schemeClr val="bg1"/>
+                </a:solidFill>
+                <a:latin typeface="Times New Roman" panose="02020603050405020304" charset="0"/>
+                <a:ea typeface="Calibri" panose="020F0502020204030204" pitchFamily="34" charset="0"/>
+                <a:cs typeface="Times New Roman" panose="02020603050405020304" charset="0"/>
+                <a:sym typeface="+mn-ea"/>
+              </a:rPr>
+              <a:t>Résultats </a:t>
+            </a:r>
+            <a:r>
+              <a:rPr lang="fr-FR" altLang="zh-CN" sz="4800" b="1" dirty="0">
+                <a:solidFill>
+                  <a:schemeClr val="bg1"/>
+                </a:solidFill>
+                <a:latin typeface="Times New Roman" panose="02020603050405020304" charset="0"/>
+                <a:ea typeface="Calibri" panose="020F0502020204030204" pitchFamily="34" charset="0"/>
+                <a:cs typeface="Times New Roman" panose="02020603050405020304" charset="0"/>
+                <a:sym typeface="+mn-ea"/>
+              </a:rPr>
+              <a:t>attendus</a:t>
+            </a:r>
+            <a:endParaRPr lang="fr-FR" altLang="zh-CN" sz="4800" b="1" dirty="0">
+              <a:solidFill>
+                <a:srgbClr val="92D050"/>
+              </a:solidFill>
+              <a:highlight>
+                <a:srgbClr val="000080"/>
+              </a:highlight>
+              <a:latin typeface="Times New Roman" panose="02020603050405020304" charset="0"/>
+              <a:ea typeface="Calibri" panose="020F0502020204030204" pitchFamily="34" charset="0"/>
+              <a:cs typeface="Times New Roman" panose="02020603050405020304" charset="0"/>
+            </a:endParaRPr>
+          </a:p>
+          <a:p>
+            <a:pPr algn="l"/>
+            <a:r>
+              <a:rPr lang="fr-FR" altLang="zh-CN" sz="4800" b="1" dirty="0">
+                <a:ln w="12700" cmpd="sng">
+                  <a:noFill/>
+                  <a:prstDash val="solid"/>
+                </a:ln>
+                <a:solidFill>
+                  <a:schemeClr val="bg1"/>
+                </a:solidFill>
+                <a:effectLst>
+                  <a:outerShdw blurRad="38100" dist="38100" dir="2700000" algn="tl">
+                    <a:srgbClr val="000000">
+                      <a:alpha val="43137"/>
+                    </a:srgbClr>
+                  </a:outerShdw>
+                </a:effectLst>
+                <a:highlight>
+                  <a:srgbClr val="000080"/>
+                </a:highlight>
+                <a:latin typeface="Times New Roman" panose="02020603050405020304" charset="0"/>
+                <a:ea typeface="Calibri" panose="020F0502020204030204" pitchFamily="34" charset="0"/>
+                <a:cs typeface="Times New Roman" panose="02020603050405020304" charset="0"/>
+              </a:rPr>
+              <a:t>    </a:t>
+            </a:r>
+            <a:endParaRPr lang="fr-FR" altLang="zh-CN" sz="4800" b="1" dirty="0">
+              <a:ln w="12700" cmpd="sng">
+                <a:noFill/>
+                <a:prstDash val="solid"/>
+              </a:ln>
+              <a:solidFill>
+                <a:schemeClr val="bg1"/>
+              </a:solidFill>
+              <a:effectLst>
+                <a:outerShdw blurRad="38100" dist="38100" dir="2700000" algn="tl">
+                  <a:srgbClr val="000000">
+                    <a:alpha val="43137"/>
+                  </a:srgbClr>
+                </a:outerShdw>
+              </a:effectLst>
+              <a:highlight>
+                <a:srgbClr val="000080"/>
+              </a:highlight>
+              <a:latin typeface="Times New Roman" panose="02020603050405020304" charset="0"/>
+              <a:ea typeface="Calibri" panose="020F0502020204030204" pitchFamily="34" charset="0"/>
+              <a:cs typeface="Times New Roman" panose="02020603050405020304" charset="0"/>
+            </a:endParaRPr>
+          </a:p>
+        </p:txBody>
+      </p:sp>
+      <p:pic>
+        <p:nvPicPr>
+          <p:cNvPr id="10" name="Image 9" descr="R"/>
+          <p:cNvPicPr>
+            <a:picLocks noChangeAspect="1"/>
+          </p:cNvPicPr>
+          <p:nvPr/>
+        </p:nvPicPr>
+        <p:blipFill>
+          <a:blip r:embed="rId2"/>
+          <a:stretch>
+            <a:fillRect/>
+          </a:stretch>
+        </p:blipFill>
+        <p:spPr>
+          <a:xfrm>
+            <a:off x="1185300" y="3029902"/>
+            <a:ext cx="910590" cy="673735"/>
+          </a:xfrm>
+          <a:prstGeom prst="rect">
+            <a:avLst/>
+          </a:prstGeom>
+          <a:ln w="76200">
+            <a:solidFill>
+              <a:srgbClr val="002060"/>
+            </a:solidFill>
+          </a:ln>
+        </p:spPr>
+      </p:pic>
+      <p:sp>
+        <p:nvSpPr>
+          <p:cNvPr id="23" name="Organigramme : Procédé prédéfini 22"/>
+          <p:cNvSpPr/>
+          <p:nvPr/>
+        </p:nvSpPr>
+        <p:spPr>
+          <a:xfrm>
+            <a:off x="7346315" y="1177925"/>
+            <a:ext cx="4724400" cy="746125"/>
+          </a:xfrm>
+          <a:prstGeom prst="flowChartPredefinedProcess">
+            <a:avLst/>
+          </a:prstGeom>
+          <a:solidFill>
+            <a:srgbClr val="92D050"/>
+          </a:solidFill>
+          <a:ln w="76200">
+            <a:solidFill>
+              <a:srgbClr val="002060"/>
+            </a:solidFill>
+          </a:ln>
+        </p:spPr>
+        <p:style>
+          <a:lnRef idx="2">
+            <a:schemeClr val="accent1">
+              <a:lumMod val="75000"/>
+            </a:schemeClr>
+          </a:lnRef>
+          <a:fillRef idx="1">
+            <a:schemeClr val="accent1"/>
+          </a:fillRef>
+          <a:effectRef idx="0">
+            <a:srgbClr val="FFFFFF"/>
+          </a:effectRef>
+          <a:fontRef idx="minor">
+            <a:schemeClr val="lt1"/>
+          </a:fontRef>
+        </p:style>
+        <p:txBody>
+          <a:bodyPr rtlCol="0" anchor="ctr"/>
+          <a:lstStyle/>
+          <a:p>
+            <a:pPr algn="l"/>
+            <a:r>
+              <a:rPr lang="fr-FR" altLang="en-US" sz="2800" dirty="0">
+                <a:latin typeface="Times New Roman" panose="02020603050405020304" charset="0"/>
+                <a:cs typeface="Times New Roman" panose="02020603050405020304" charset="0"/>
+              </a:rPr>
+              <a:t>Tableau de bord</a:t>
+            </a:r>
+            <a:endParaRPr lang="fr-FR" altLang="en-US" sz="2800" dirty="0">
+              <a:latin typeface="Times New Roman" panose="02020603050405020304" charset="0"/>
+              <a:cs typeface="Times New Roman" panose="02020603050405020304" charset="0"/>
+            </a:endParaRPr>
+          </a:p>
+        </p:txBody>
+      </p:sp>
+      <p:sp>
+        <p:nvSpPr>
+          <p:cNvPr id="11" name="Organigramme : Procédé prédéfini 10"/>
+          <p:cNvSpPr/>
+          <p:nvPr/>
+        </p:nvSpPr>
+        <p:spPr>
+          <a:xfrm>
+            <a:off x="7346315" y="2620645"/>
+            <a:ext cx="4724400" cy="746125"/>
+          </a:xfrm>
+          <a:prstGeom prst="flowChartPredefinedProcess">
+            <a:avLst/>
+          </a:prstGeom>
+          <a:solidFill>
+            <a:srgbClr val="92D050"/>
+          </a:solidFill>
+          <a:ln w="76200">
+            <a:solidFill>
+              <a:srgbClr val="002060"/>
+            </a:solidFill>
+          </a:ln>
+        </p:spPr>
+        <p:style>
+          <a:lnRef idx="2">
+            <a:schemeClr val="accent1">
+              <a:lumMod val="75000"/>
+            </a:schemeClr>
+          </a:lnRef>
+          <a:fillRef idx="1">
+            <a:schemeClr val="accent1"/>
+          </a:fillRef>
+          <a:effectRef idx="0">
+            <a:srgbClr val="FFFFFF"/>
+          </a:effectRef>
+          <a:fontRef idx="minor">
+            <a:schemeClr val="lt1"/>
+          </a:fontRef>
+        </p:style>
+        <p:txBody>
+          <a:bodyPr rtlCol="0" anchor="ctr"/>
+          <a:lstStyle/>
+          <a:p>
+            <a:pPr algn="l"/>
+            <a:r>
+              <a:rPr lang="fr-FR" altLang="en-US" sz="2800" dirty="0">
+                <a:latin typeface="Times New Roman" panose="02020603050405020304" charset="0"/>
+                <a:cs typeface="Times New Roman" panose="02020603050405020304" charset="0"/>
+              </a:rPr>
+              <a:t>Rapport Technique</a:t>
+            </a:r>
+            <a:endParaRPr lang="fr-FR" altLang="en-US" sz="2800" dirty="0">
+              <a:latin typeface="Times New Roman" panose="02020603050405020304" charset="0"/>
+              <a:cs typeface="Times New Roman" panose="02020603050405020304" charset="0"/>
+            </a:endParaRPr>
+          </a:p>
+        </p:txBody>
+      </p:sp>
+      <p:sp>
+        <p:nvSpPr>
+          <p:cNvPr id="2" name="ZoneTexte 1"/>
+          <p:cNvSpPr txBox="1"/>
+          <p:nvPr/>
+        </p:nvSpPr>
+        <p:spPr>
+          <a:xfrm>
+            <a:off x="7346022" y="3854548"/>
+            <a:ext cx="4724058" cy="2246769"/>
+          </a:xfrm>
+          <a:prstGeom prst="rect">
+            <a:avLst/>
+          </a:prstGeom>
+          <a:noFill/>
+        </p:spPr>
+        <p:txBody>
+          <a:bodyPr wrap="square" rtlCol="0">
+            <a:spAutoFit/>
+          </a:bodyPr>
+          <a:lstStyle/>
+          <a:p>
+            <a:pPr algn="ctr"/>
+            <a:r>
+              <a:rPr lang="fr-FR" sz="2000" b="1" i="1" dirty="0" smtClean="0">
+                <a:latin typeface="Bell MT" panose="02020503060305020303" pitchFamily="18" charset="0"/>
+              </a:rPr>
+              <a:t>Voici une brève présentation du projet et des missions fixées afin de participer à la gestion des inondations au Sénégal. Elle rentre dans le cadre de la gestion participative des citoyens dans les problématiques rencontrées par les population.</a:t>
+            </a:r>
+            <a:endParaRPr lang="fr-FR" sz="2000" b="1" i="1" dirty="0">
+              <a:latin typeface="Bell MT" panose="02020503060305020303" pitchFamily="18" charset="0"/>
+            </a:endParaRPr>
+          </a:p>
+        </p:txBody>
+      </p:sp>
+    </p:spTree>
+  </p:cSld>
+  <p:clrMapOvr>
+    <a:masterClrMapping/>
+  </p:clrMapOvr>
+  <mc:AlternateContent xmlns:mc="http://schemas.openxmlformats.org/markup-compatibility/2006">
+    <mc:Choice xmlns:p15="http://schemas.microsoft.com/office/powerpoint/2012/main" Requires="p15">
+      <p:transition xmlns:p14="http://schemas.microsoft.com/office/powerpoint/2010/main" spd="slow" Requires="p14" p14:dur="1250">
+        <p15:prstTrans prst="pageCurlDouble"/>
+      </p:transition>
+    </mc:Choice>
+    <mc:Fallback>
+      <p:transition spd="slow">
+        <p:fade/>
+      </p:transition>
+    </mc:Fallback>
+  </mc:AlternateContent>
+</p:sld>
+</file>
+
+<file path=ppt/slides/slide11.xml><?xml version="1.0" encoding="utf-8"?>
+<p:sld xmlns:a="http://schemas.openxmlformats.org/drawingml/2006/main" xmlns:r="http://schemas.openxmlformats.org/officeDocument/2006/relationships" xmlns:p="http://schemas.openxmlformats.org/presentationml/2006/main">
+  <p:cSld>
+    <p:spTree>
+      <p:nvGrpSpPr>
+        <p:cNvPr id="1" name=""/>
+        <p:cNvGrpSpPr/>
+        <p:nvPr/>
+      </p:nvGrpSpPr>
+      <p:grpSpPr>
+        <a:xfrm>
+          <a:off x="0" y="0"/>
+          <a:ext cx="0" cy="0"/>
+          <a:chOff x="0" y="0"/>
+          <a:chExt cx="0" cy="0"/>
+        </a:xfrm>
+      </p:grpSpPr>
       <p:sp>
         <p:nvSpPr>
           <p:cNvPr id="16" name="文本框 4"/>
@@ -4749,7 +5110,7 @@
 </p:sld>
 </file>
 
-<file path=ppt/slides/slide11.xml><?xml version="1.0" encoding="utf-8"?>
+<file path=ppt/slides/slide12.xml><?xml version="1.0" encoding="utf-8"?>
 <p:sld xmlns:a="http://schemas.openxmlformats.org/drawingml/2006/main" xmlns:r="http://schemas.openxmlformats.org/officeDocument/2006/relationships" xmlns:p="http://schemas.openxmlformats.org/presentationml/2006/main">
   <p:cSld>
     <p:spTree>
@@ -5221,7 +5582,29 @@
                 <a:ea typeface="Calibri" panose="020F0502020204030204" pitchFamily="34" charset="0"/>
                 <a:cs typeface="Times New Roman" panose="02020603050405020304" charset="0"/>
               </a:rPr>
-              <a:t>où l’installation de la population n’est pas souvent bien encadré</a:t>
+              <a:t>où l’installation de la population n’est souvent</a:t>
+            </a:r>
+            <a:r>
+              <a:rPr lang="fr-FR" altLang="zh-CN" sz="3100" b="1" dirty="0">
+                <a:solidFill>
+                  <a:schemeClr val="bg1"/>
+                </a:solidFill>
+                <a:latin typeface="Times New Roman" panose="02020603050405020304" charset="0"/>
+                <a:ea typeface="Calibri" panose="020F0502020204030204" pitchFamily="34" charset="0"/>
+                <a:cs typeface="Times New Roman" panose="02020603050405020304" charset="0"/>
+              </a:rPr>
+              <a:t> pas</a:t>
+            </a:r>
+            <a:r>
+              <a:rPr lang="zh-CN" altLang="en-US" sz="3100" b="1" dirty="0">
+                <a:solidFill>
+                  <a:schemeClr val="bg1"/>
+                </a:solidFill>
+                <a:latin typeface="Times New Roman" panose="02020603050405020304" charset="0"/>
+                <a:ea typeface="Calibri" panose="020F0502020204030204" pitchFamily="34" charset="0"/>
+                <a:cs typeface="Times New Roman" panose="02020603050405020304" charset="0"/>
+              </a:rPr>
+              <a:t> bien encadré</a:t>
             </a:r>
             <a:r>
               <a:rPr lang="zh-CN" altLang="en-US" sz="3100" b="1" dirty="0" smtClean="0">
@@ -5243,29 +5626,7 @@
                 <a:ea typeface="Calibri" panose="020F0502020204030204" pitchFamily="34" charset="0"/>
                 <a:cs typeface="Times New Roman" panose="02020603050405020304" charset="0"/>
               </a:rPr>
-              <a:t>et n’est pas précédée d’un aménagement avec l’absence notoire de canaux </a:t>
-            </a:r>
-            <a:r>
-              <a:rPr lang="fr-FR" altLang="zh-CN" sz="3100" b="1" dirty="0" smtClean="0">
-                <a:solidFill>
-                  <a:srgbClr val="FF0000"/>
-                </a:solidFill>
-                <a:latin typeface="Times New Roman" panose="02020603050405020304" charset="0"/>
-                <a:ea typeface="Calibri" panose="020F0502020204030204" pitchFamily="34" charset="0"/>
-                <a:cs typeface="Times New Roman" panose="02020603050405020304" charset="0"/>
-              </a:rPr>
-              <a:t>d’évacuation des eaux pluviales</a:t>
-            </a:r>
-            <a:r>
-              <a:rPr lang="zh-CN" altLang="en-US" sz="3100" b="1" dirty="0" smtClean="0">
-                <a:solidFill>
-                  <a:schemeClr val="bg1"/>
-                </a:solidFill>
-                <a:latin typeface="Times New Roman" panose="02020603050405020304" charset="0"/>
-                <a:ea typeface="Calibri" panose="020F0502020204030204" pitchFamily="34" charset="0"/>
-                <a:cs typeface="Times New Roman" panose="02020603050405020304" charset="0"/>
-              </a:rPr>
-              <a:t>.</a:t>
+              <a:t>et n’est pas précédée par aménagement adéquat</a:t>
             </a:r>
             <a:endParaRPr lang="zh-CN" altLang="en-US" sz="3100" b="1" dirty="0">
               <a:solidFill>
@@ -5405,11 +5766,14 @@
                     </a:srgbClr>
                   </a:outerShdw>
                 </a:effectLst>
-                <a:latin typeface="Times New Roman" panose="02020603050405020304" charset="0"/>
-                <a:ea typeface="Calibri" panose="020F0502020204030204" pitchFamily="34" charset="0"/>
-                <a:cs typeface="Times New Roman" panose="02020603050405020304" charset="0"/>
-              </a:rPr>
-              <a:t>Présentation du projet</a:t>
+                <a:highlight>
+                  <a:srgbClr val="FF0000"/>
+                </a:highlight>
+                <a:latin typeface="Times New Roman" panose="02020603050405020304" charset="0"/>
+                <a:ea typeface="Calibri" panose="020F0502020204030204" pitchFamily="34" charset="0"/>
+                <a:cs typeface="Times New Roman" panose="02020603050405020304" charset="0"/>
+              </a:rPr>
+              <a:t>Bref résumé du projet.</a:t>
             </a:r>
             <a:endParaRPr lang="fr-FR" altLang="zh-CN" sz="4800" b="1" dirty="0">
               <a:ln w="12700" cmpd="sng">
@@ -5426,6 +5790,9 @@
                   </a:srgbClr>
                 </a:outerShdw>
               </a:effectLst>
+              <a:highlight>
+                <a:srgbClr val="FF0000"/>
+              </a:highlight>
               <a:latin typeface="Times New Roman" panose="02020603050405020304" charset="0"/>
               <a:ea typeface="Calibri" panose="020F0502020204030204" pitchFamily="34" charset="0"/>
               <a:cs typeface="Times New Roman" panose="02020603050405020304" charset="0"/>
@@ -5643,7 +6010,7 @@
                 <a:ea typeface="Calibri" panose="020F0502020204030204" pitchFamily="34" charset="0"/>
                 <a:cs typeface="Times New Roman" panose="02020603050405020304" charset="0"/>
               </a:rPr>
-              <a:t>Situation géographique de la zone</a:t>
+              <a:t>Situation géographique de la zone.</a:t>
             </a:r>
             <a:endParaRPr lang="fr-FR" altLang="zh-CN" sz="3100" b="1" dirty="0" smtClean="0">
               <a:solidFill>
@@ -5671,7 +6038,7 @@
                 <a:ea typeface="Calibri" panose="020F0502020204030204" pitchFamily="34" charset="0"/>
                 <a:cs typeface="Times New Roman" panose="02020603050405020304" charset="0"/>
               </a:rPr>
-              <a:t>Précarité de la zone</a:t>
+              <a:t>Précarité notée.</a:t>
             </a:r>
             <a:endParaRPr lang="fr-FR" altLang="zh-CN" sz="3100" b="1" dirty="0" smtClean="0">
               <a:solidFill>
@@ -5699,7 +6066,7 @@
                 <a:ea typeface="Calibri" panose="020F0502020204030204" pitchFamily="34" charset="0"/>
                 <a:cs typeface="Times New Roman" panose="02020603050405020304" charset="0"/>
               </a:rPr>
-              <a:t>Problématique liées aux inondations</a:t>
+              <a:t>Problématique liées aux inondations.</a:t>
             </a:r>
             <a:endParaRPr lang="fr-FR" altLang="zh-CN" sz="3100" b="1" dirty="0" smtClean="0">
               <a:solidFill>
@@ -5727,7 +6094,7 @@
                 <a:ea typeface="Calibri" panose="020F0502020204030204" pitchFamily="34" charset="0"/>
                 <a:cs typeface="Times New Roman" panose="02020603050405020304" charset="0"/>
               </a:rPr>
-              <a:t>Manque d’assainissement notoire</a:t>
+              <a:t>Manque de politique d’assainissement.</a:t>
             </a:r>
             <a:endParaRPr lang="fr-FR" altLang="zh-CN" sz="3100" b="1" dirty="0" smtClean="0">
               <a:solidFill>
@@ -5820,9 +6187,6 @@
                   <a:noFill/>
                   <a:prstDash val="solid"/>
                 </a:ln>
-                <a:solidFill>
-                  <a:schemeClr val="bg1"/>
-                </a:solidFill>
                 <a:effectLst>
                   <a:outerShdw blurRad="38100" dist="38100" dir="2700000" algn="tl">
                     <a:srgbClr val="000000">
@@ -5830,11 +6194,15 @@
                     </a:srgbClr>
                   </a:outerShdw>
                 </a:effectLst>
-                <a:latin typeface="Times New Roman" panose="02020603050405020304" charset="0"/>
-                <a:ea typeface="Calibri" panose="020F0502020204030204" pitchFamily="34" charset="0"/>
-                <a:cs typeface="Times New Roman" panose="02020603050405020304" charset="0"/>
-              </a:rPr>
-              <a:t>Présentation du </a:t>
+                <a:highlight>
+                  <a:srgbClr val="FF0000"/>
+                </a:highlight>
+                <a:latin typeface="Times New Roman" panose="02020603050405020304" charset="0"/>
+                <a:ea typeface="Calibri" panose="020F0502020204030204" pitchFamily="34" charset="0"/>
+                <a:cs typeface="Times New Roman" panose="02020603050405020304" charset="0"/>
+                <a:sym typeface="+mn-ea"/>
+              </a:rPr>
+              <a:t>Bref résumé du projet.</a:t>
             </a:r>
             <a:r>
               <a:rPr lang="fr-FR" altLang="zh-CN" sz="4800" b="1" dirty="0" smtClean="0">
@@ -5856,7 +6224,7 @@
                 <a:ea typeface="Calibri" panose="020F0502020204030204" pitchFamily="34" charset="0"/>
                 <a:cs typeface="Times New Roman" panose="02020603050405020304" charset="0"/>
               </a:rPr>
-              <a:t>projet  : </a:t>
+              <a:t>  : </a:t>
             </a:r>
             <a:r>
               <a:rPr lang="fr-FR" altLang="zh-CN" sz="3600" b="1" dirty="0" smtClean="0">
@@ -6055,94 +6423,13 @@
         <p:spPr>
           <a:xfrm>
             <a:off x="0" y="0"/>
-            <a:ext cx="12192000" cy="6858000"/>
+            <a:ext cx="12207875" cy="6858000"/>
           </a:xfrm>
           <a:prstGeom prst="rect">
             <a:avLst/>
           </a:prstGeom>
         </p:spPr>
       </p:pic>
-      <p:sp>
-        <p:nvSpPr>
-          <p:cNvPr id="6" name="文本框 5"/>
-          <p:cNvSpPr txBox="1"/>
-          <p:nvPr/>
-        </p:nvSpPr>
-        <p:spPr>
-          <a:xfrm>
-            <a:off x="6965950" y="0"/>
-            <a:ext cx="5226685" cy="724535"/>
-          </a:xfrm>
-          <a:prstGeom prst="rect">
-            <a:avLst/>
-          </a:prstGeom>
-          <a:solidFill>
-            <a:schemeClr val="accent1">
-              <a:lumMod val="75000"/>
-            </a:schemeClr>
-          </a:solidFill>
-        </p:spPr>
-        <p:txBody>
-          <a:bodyPr wrap="square" lIns="0" tIns="0" rIns="0" bIns="0" rtlCol="0">
-            <a:noAutofit/>
-          </a:bodyPr>
-          <a:lstStyle/>
-          <a:p>
-            <a:r>
-              <a:rPr lang="fr-FR" altLang="zh-CN" sz="3200" b="1" dirty="0">
-                <a:ln w="12700" cmpd="sng">
-                  <a:noFill/>
-                  <a:prstDash val="solid"/>
-                </a:ln>
-                <a:solidFill>
-                  <a:srgbClr val="FF0000"/>
-                </a:solidFill>
-                <a:effectLst>
-                  <a:outerShdw blurRad="38100" dist="38100" dir="2700000" algn="tl">
-                    <a:srgbClr val="000000">
-                      <a:alpha val="43137"/>
-                    </a:srgbClr>
-                  </a:outerShdw>
-                </a:effectLst>
-                <a:latin typeface="Times New Roman" panose="02020603050405020304" charset="0"/>
-                <a:ea typeface="Calibri" panose="020F0502020204030204" pitchFamily="34" charset="0"/>
-                <a:cs typeface="Times New Roman" panose="02020603050405020304" charset="0"/>
-              </a:rPr>
-              <a:t>A. Pourquoi </a:t>
-            </a:r>
-            <a:r>
-              <a:rPr lang="fr-FR" altLang="zh-CN" sz="4000" b="1" dirty="0">
-                <a:ln w="12700" cmpd="sng">
-                  <a:noFill/>
-                  <a:prstDash val="solid"/>
-                </a:ln>
-                <a:solidFill>
-                  <a:srgbClr val="FF0000"/>
-                </a:solidFill>
-                <a:effectLst>
-                  <a:outerShdw blurRad="38100" dist="38100" dir="2700000" algn="tl">
-                    <a:srgbClr val="000000">
-                      <a:alpha val="43137"/>
-                    </a:srgbClr>
-                  </a:outerShdw>
-                </a:effectLst>
-                <a:latin typeface="Times New Roman" panose="02020603050405020304" charset="0"/>
-                <a:ea typeface="Calibri" panose="020F0502020204030204" pitchFamily="34" charset="0"/>
-                <a:cs typeface="Times New Roman" panose="02020603050405020304" charset="0"/>
-              </a:rPr>
-              <a:t>cette zone</a:t>
-            </a:r>
-            <a:endParaRPr lang="fr-FR" altLang="zh-CN" sz="3200" b="1" dirty="0">
-              <a:solidFill>
-                <a:schemeClr val="bg1"/>
-              </a:solidFill>
-              <a:latin typeface="Times New Roman" panose="02020603050405020304" charset="0"/>
-              <a:ea typeface="Calibri" panose="020F0502020204030204" pitchFamily="34" charset="0"/>
-              <a:cs typeface="Times New Roman" panose="02020603050405020304" charset="0"/>
-            </a:endParaRPr>
-          </a:p>
-        </p:txBody>
-      </p:sp>
       <p:sp>
         <p:nvSpPr>
           <p:cNvPr id="2" name="文本框 4"/>
@@ -6193,7 +6480,7 @@
                 <a:ea typeface="Calibri" panose="020F0502020204030204" pitchFamily="34" charset="0"/>
                 <a:cs typeface="Times New Roman" panose="02020603050405020304" charset="0"/>
               </a:rPr>
-              <a:t>Présentation du projet</a:t>
+              <a:t>Présentation de la zone</a:t>
             </a:r>
             <a:endParaRPr lang="fr-FR" altLang="zh-CN" sz="4800" b="1" dirty="0">
               <a:ln w="12700" cmpd="sng">
@@ -6257,8 +6544,8 @@
         </p:blipFill>
         <p:spPr>
           <a:xfrm>
-            <a:off x="10477500" y="1003300"/>
-            <a:ext cx="1567180" cy="2667000"/>
+            <a:off x="10477500" y="725170"/>
+            <a:ext cx="1730375" cy="2945130"/>
           </a:xfrm>
           <a:prstGeom prst="rect">
             <a:avLst/>
@@ -6282,7 +6569,7 @@
         <p:spPr>
           <a:xfrm>
             <a:off x="10477500" y="3843655"/>
-            <a:ext cx="1567180" cy="2667000"/>
+            <a:ext cx="1731010" cy="2790825"/>
           </a:xfrm>
           <a:prstGeom prst="rect">
             <a:avLst/>
@@ -6329,8 +6616,8 @@
         </p:blipFill>
         <p:spPr>
           <a:xfrm>
-            <a:off x="1101725" y="1003300"/>
-            <a:ext cx="9280525" cy="5630545"/>
+            <a:off x="1101725" y="724535"/>
+            <a:ext cx="9739630" cy="5909310"/>
           </a:xfrm>
           <a:prstGeom prst="rect">
             <a:avLst/>
@@ -6688,7 +6975,7 @@
                 <a:ea typeface="Calibri" panose="020F0502020204030204" pitchFamily="34" charset="0"/>
                 <a:cs typeface="Times New Roman" panose="02020603050405020304" charset="0"/>
               </a:rPr>
-              <a:t>Ainsi, par l’utilisation de différents paramètres tel que :</a:t>
+              <a:t>Cette étude se fera à travers différents paramètres tel que :</a:t>
             </a:r>
             <a:endParaRPr lang="fr-FR" altLang="zh-CN" sz="3100" b="1" dirty="0" smtClean="0">
               <a:solidFill>
@@ -6779,7 +7066,7 @@
                 <a:ea typeface="Calibri" panose="020F0502020204030204" pitchFamily="34" charset="0"/>
                 <a:cs typeface="Times New Roman" panose="02020603050405020304" charset="0"/>
               </a:rPr>
-              <a:t>) SRTM. Cette partie sera en même temps accompagnée d’une phase collecte de données terrain.</a:t>
+              <a:t>) SRTM. </a:t>
             </a:r>
             <a:endParaRPr lang="fr-FR" altLang="zh-CN" sz="3100" b="1" dirty="0" smtClean="0">
               <a:solidFill>
@@ -6941,9 +7228,6 @@
                   <a:noFill/>
                   <a:prstDash val="solid"/>
                 </a:ln>
-                <a:solidFill>
-                  <a:schemeClr val="bg1"/>
-                </a:solidFill>
                 <a:effectLst>
                   <a:outerShdw blurRad="38100" dist="38100" dir="2700000" algn="tl">
                     <a:srgbClr val="000000">
@@ -6951,55 +7235,15 @@
                     </a:srgbClr>
                   </a:outerShdw>
                 </a:effectLst>
-                <a:latin typeface="Times New Roman" panose="02020603050405020304" charset="0"/>
-                <a:ea typeface="Calibri" panose="020F0502020204030204" pitchFamily="34" charset="0"/>
-                <a:cs typeface="Times New Roman" panose="02020603050405020304" charset="0"/>
-              </a:rPr>
-              <a:t>Présentation du </a:t>
-            </a:r>
-            <a:r>
-              <a:rPr lang="fr-FR" altLang="zh-CN" sz="4800" b="1" dirty="0" smtClean="0">
-                <a:ln w="12700" cmpd="sng">
-                  <a:noFill/>
-                  <a:prstDash val="solid"/>
-                </a:ln>
-                <a:solidFill>
-                  <a:schemeClr val="bg1"/>
-                </a:solidFill>
-                <a:effectLst>
-                  <a:outerShdw blurRad="38100" dist="38100" dir="2700000" algn="tl">
-                    <a:srgbClr val="000000">
-                      <a:alpha val="43137"/>
-                    </a:srgbClr>
-                  </a:outerShdw>
-                </a:effectLst>
-                <a:latin typeface="Times New Roman" panose="02020603050405020304" charset="0"/>
-                <a:ea typeface="Calibri" panose="020F0502020204030204" pitchFamily="34" charset="0"/>
-                <a:cs typeface="Times New Roman" panose="02020603050405020304" charset="0"/>
-              </a:rPr>
-              <a:t>projet : </a:t>
-            </a:r>
-            <a:r>
-              <a:rPr lang="fr-FR" altLang="zh-CN" sz="4000" b="1" dirty="0" smtClean="0">
-                <a:ln w="12700" cmpd="sng">
-                  <a:noFill/>
-                  <a:prstDash val="solid"/>
-                </a:ln>
-                <a:solidFill>
+                <a:highlight>
                   <a:srgbClr val="FF0000"/>
-                </a:solidFill>
-                <a:effectLst>
-                  <a:outerShdw blurRad="38100" dist="38100" dir="2700000" algn="tl">
-                    <a:srgbClr val="000000">
-                      <a:alpha val="43137"/>
-                    </a:srgbClr>
-                  </a:outerShdw>
-                </a:effectLst>
-                <a:latin typeface="Times New Roman" panose="02020603050405020304" charset="0"/>
-                <a:ea typeface="Calibri" panose="020F0502020204030204" pitchFamily="34" charset="0"/>
-                <a:cs typeface="Times New Roman" panose="02020603050405020304" charset="0"/>
-              </a:rPr>
-              <a:t>B. Missions du projet</a:t>
+                </a:highlight>
+                <a:latin typeface="Times New Roman" panose="02020603050405020304" charset="0"/>
+                <a:ea typeface="Calibri" panose="020F0502020204030204" pitchFamily="34" charset="0"/>
+                <a:cs typeface="Times New Roman" panose="02020603050405020304" charset="0"/>
+                <a:sym typeface="+mn-ea"/>
+              </a:rPr>
+              <a:t>La méthodologie de travail.</a:t>
             </a:r>
             <a:endParaRPr lang="fr-FR" altLang="zh-CN" sz="4800" b="1" dirty="0">
               <a:ln w="12700" cmpd="sng">
@@ -7205,7 +7449,7 @@
                 <a:ea typeface="Calibri" panose="020F0502020204030204" pitchFamily="34" charset="0"/>
                 <a:cs typeface="Times New Roman" panose="02020603050405020304" charset="0"/>
               </a:rPr>
-              <a:t>Cette parte de collecte est très cruciale et permettra d’avoir un </a:t>
+              <a:t>Cette partie de collecte est très cruciale et permettra d’avoir un </a:t>
             </a:r>
             <a:r>
               <a:rPr lang="fr-FR" altLang="zh-CN" sz="3100" b="1" dirty="0" smtClean="0">
@@ -7435,9 +7679,6 @@
                   <a:noFill/>
                   <a:prstDash val="solid"/>
                 </a:ln>
-                <a:solidFill>
-                  <a:schemeClr val="bg1"/>
-                </a:solidFill>
                 <a:effectLst>
                   <a:outerShdw blurRad="38100" dist="38100" dir="2700000" algn="tl">
                     <a:srgbClr val="000000">
@@ -7445,55 +7686,15 @@
                     </a:srgbClr>
                   </a:outerShdw>
                 </a:effectLst>
-                <a:latin typeface="Times New Roman" panose="02020603050405020304" charset="0"/>
-                <a:ea typeface="Calibri" panose="020F0502020204030204" pitchFamily="34" charset="0"/>
-                <a:cs typeface="Times New Roman" panose="02020603050405020304" charset="0"/>
-              </a:rPr>
-              <a:t>Présentation du </a:t>
-            </a:r>
-            <a:r>
-              <a:rPr lang="fr-FR" altLang="zh-CN" sz="4800" b="1" dirty="0" smtClean="0">
-                <a:ln w="12700" cmpd="sng">
-                  <a:noFill/>
-                  <a:prstDash val="solid"/>
-                </a:ln>
-                <a:solidFill>
-                  <a:schemeClr val="bg1"/>
-                </a:solidFill>
-                <a:effectLst>
-                  <a:outerShdw blurRad="38100" dist="38100" dir="2700000" algn="tl">
-                    <a:srgbClr val="000000">
-                      <a:alpha val="43137"/>
-                    </a:srgbClr>
-                  </a:outerShdw>
-                </a:effectLst>
-                <a:latin typeface="Times New Roman" panose="02020603050405020304" charset="0"/>
-                <a:ea typeface="Calibri" panose="020F0502020204030204" pitchFamily="34" charset="0"/>
-                <a:cs typeface="Times New Roman" panose="02020603050405020304" charset="0"/>
-              </a:rPr>
-              <a:t>projet  : </a:t>
-            </a:r>
-            <a:r>
-              <a:rPr lang="fr-FR" altLang="zh-CN" sz="4000" b="1" dirty="0">
-                <a:ln w="12700" cmpd="sng">
-                  <a:noFill/>
-                  <a:prstDash val="solid"/>
-                </a:ln>
-                <a:solidFill>
+                <a:highlight>
                   <a:srgbClr val="FF0000"/>
-                </a:solidFill>
-                <a:effectLst>
-                  <a:outerShdw blurRad="38100" dist="38100" dir="2700000" algn="tl">
-                    <a:srgbClr val="000000">
-                      <a:alpha val="43137"/>
-                    </a:srgbClr>
-                  </a:outerShdw>
-                </a:effectLst>
-                <a:latin typeface="Times New Roman" panose="02020603050405020304" charset="0"/>
-                <a:ea typeface="Calibri" panose="020F0502020204030204" pitchFamily="34" charset="0"/>
-                <a:cs typeface="Times New Roman" panose="02020603050405020304" charset="0"/>
-              </a:rPr>
-              <a:t>B. Missions du projet</a:t>
+                </a:highlight>
+                <a:latin typeface="Times New Roman" panose="02020603050405020304" charset="0"/>
+                <a:ea typeface="Calibri" panose="020F0502020204030204" pitchFamily="34" charset="0"/>
+                <a:cs typeface="Times New Roman" panose="02020603050405020304" charset="0"/>
+                <a:sym typeface="+mn-ea"/>
+              </a:rPr>
+              <a:t>La méthodologie de travail.</a:t>
             </a:r>
             <a:endParaRPr lang="fr-FR" altLang="zh-CN" sz="4800" b="1" dirty="0">
               <a:ln w="12700" cmpd="sng">
@@ -7625,102 +7826,203 @@
           <a:chExt cx="0" cy="0"/>
         </a:xfrm>
       </p:grpSpPr>
-      <p:sp>
-        <p:nvSpPr>
-          <p:cNvPr id="9" name="文本框 5"/>
+      <p:pic>
+        <p:nvPicPr>
+          <p:cNvPr id="4" name="图片 3"/>
+          <p:cNvPicPr>
+            <a:picLocks noChangeAspect="1"/>
+          </p:cNvPicPr>
+          <p:nvPr/>
+        </p:nvPicPr>
+        <p:blipFill>
+          <a:blip r:embed="rId1">
+            <a:extLst>
+              <a:ext uri="{28A0092B-C50C-407E-A947-70E740481C1C}">
+                <a14:useLocalDpi xmlns:a14="http://schemas.microsoft.com/office/drawing/2010/main" val="0"/>
+              </a:ext>
+            </a:extLst>
+          </a:blip>
+          <a:stretch>
+            <a:fillRect/>
+          </a:stretch>
+        </p:blipFill>
+        <p:spPr>
+          <a:xfrm>
+            <a:off x="0" y="0"/>
+            <a:ext cx="12192000" cy="6858000"/>
+          </a:xfrm>
+          <a:prstGeom prst="rect">
+            <a:avLst/>
+          </a:prstGeom>
+        </p:spPr>
+      </p:pic>
+      <p:sp>
+        <p:nvSpPr>
+          <p:cNvPr id="6" name="文本框 5"/>
           <p:cNvSpPr txBox="1"/>
           <p:nvPr/>
         </p:nvSpPr>
         <p:spPr>
           <a:xfrm>
-            <a:off x="8443595" y="24130"/>
-            <a:ext cx="3513455" cy="805180"/>
+            <a:off x="246000" y="1085850"/>
+            <a:ext cx="11700000" cy="5616000"/>
           </a:xfrm>
           <a:prstGeom prst="rect">
             <a:avLst/>
           </a:prstGeom>
           <a:solidFill>
-            <a:schemeClr val="accent1">
-              <a:lumMod val="75000"/>
-            </a:schemeClr>
+            <a:srgbClr val="002060"/>
           </a:solidFill>
+          <a:ln w="28575">
+            <a:noFill/>
+          </a:ln>
+          <a:effectLst>
+            <a:innerShdw blurRad="63500" dist="50800" dir="10800000">
+              <a:prstClr val="black">
+                <a:alpha val="50000"/>
+              </a:prstClr>
+            </a:innerShdw>
+          </a:effectLst>
         </p:spPr>
         <p:txBody>
-          <a:bodyPr wrap="square" lIns="0" tIns="0" rIns="0" bIns="0" rtlCol="0">
+          <a:bodyPr wrap="square" lIns="0" tIns="0" rIns="0" bIns="0" rtlCol="0" anchor="ctr" anchorCtr="0">
             <a:noAutofit/>
           </a:bodyPr>
           <a:lstStyle/>
           <a:p>
-            <a:pPr indent="0" algn="l" fontAlgn="ctr">
-              <a:buFont typeface="+mj-lt"/>
-              <a:buNone/>
+            <a:pPr marL="457200" indent="-457200" algn="just">
+              <a:lnSpc>
+                <a:spcPct val="150000"/>
+              </a:lnSpc>
+              <a:buFont typeface="Arial" panose="020B0604020202020204" pitchFamily="34" charset="0"/>
+              <a:buChar char="•"/>
             </a:pPr>
             <a:r>
-              <a:rPr lang="fr-FR" altLang="zh-CN" sz="3200" b="1" dirty="0">
-                <a:solidFill>
-                  <a:schemeClr val="accent4">
-                    <a:lumMod val="40000"/>
-                    <a:lumOff val="60000"/>
-                  </a:schemeClr>
-                </a:solidFill>
-                <a:latin typeface="Times New Roman" panose="02020603050405020304" charset="0"/>
-                <a:ea typeface="Calibri" panose="020F0502020204030204" pitchFamily="34" charset="0"/>
-                <a:cs typeface="Times New Roman" panose="02020603050405020304" charset="0"/>
-              </a:rPr>
-              <a:t>C</a:t>
-            </a:r>
-            <a:r>
-              <a:rPr lang="fr-FR" altLang="zh-CN" sz="3200" b="1" dirty="0" smtClean="0">
-                <a:solidFill>
-                  <a:schemeClr val="accent4">
-                    <a:lumMod val="40000"/>
-                    <a:lumOff val="60000"/>
-                  </a:schemeClr>
-                </a:solidFill>
-                <a:latin typeface="Times New Roman" panose="02020603050405020304" charset="0"/>
-                <a:ea typeface="Calibri" panose="020F0502020204030204" pitchFamily="34" charset="0"/>
-                <a:cs typeface="Times New Roman" panose="02020603050405020304" charset="0"/>
-              </a:rPr>
-              <a:t>: </a:t>
-            </a:r>
-            <a:r>
-              <a:rPr lang="fr-FR" altLang="zh-CN" sz="3200" b="1" dirty="0">
-                <a:solidFill>
-                  <a:schemeClr val="accent4">
-                    <a:lumMod val="40000"/>
-                    <a:lumOff val="60000"/>
-                  </a:schemeClr>
-                </a:solidFill>
-                <a:latin typeface="Times New Roman" panose="02020603050405020304" charset="0"/>
-                <a:ea typeface="Calibri" panose="020F0502020204030204" pitchFamily="34" charset="0"/>
-                <a:cs typeface="Times New Roman" panose="02020603050405020304" charset="0"/>
-              </a:rPr>
-              <a:t>Données utilisées</a:t>
-            </a:r>
-            <a:endParaRPr lang="fr-FR" altLang="zh-CN" sz="3200" b="1" dirty="0">
+              <a:rPr lang="fr-FR" altLang="zh-CN" sz="3100" b="1" dirty="0" smtClean="0">
+                <a:solidFill>
+                  <a:schemeClr val="bg1"/>
+                </a:solidFill>
+                <a:latin typeface="Times New Roman" panose="02020603050405020304" charset="0"/>
+                <a:ea typeface="Calibri" panose="020F0502020204030204" pitchFamily="34" charset="0"/>
+                <a:cs typeface="Times New Roman" panose="02020603050405020304" charset="0"/>
+              </a:rPr>
+              <a:t>Pour le traitement des données, il est également prévu d'automatiser certaines tâches avec R afin de déceler les zones susceptibles d'être inondées. Cela se fera en utilisant les points collectés, qui serviront d'échantillons.</a:t>
+            </a:r>
+            <a:endParaRPr lang="fr-FR" altLang="zh-CN" sz="3100" b="1" dirty="0" smtClean="0">
               <a:solidFill>
-                <a:schemeClr val="accent4">
-                  <a:lumMod val="40000"/>
-                  <a:lumOff val="60000"/>
-                </a:schemeClr>
+                <a:schemeClr val="bg1"/>
               </a:solidFill>
               <a:latin typeface="Times New Roman" panose="02020603050405020304" charset="0"/>
               <a:ea typeface="Calibri" panose="020F0502020204030204" pitchFamily="34" charset="0"/>
               <a:cs typeface="Times New Roman" panose="02020603050405020304" charset="0"/>
             </a:endParaRPr>
           </a:p>
-        </p:txBody>
-      </p:sp>
-      <p:sp>
-        <p:nvSpPr>
-          <p:cNvPr id="16" name="文本框 4"/>
+          <a:p>
+            <a:pPr marL="457200" indent="-457200" algn="just">
+              <a:lnSpc>
+                <a:spcPct val="150000"/>
+              </a:lnSpc>
+              <a:buFont typeface="Arial" panose="020B0604020202020204" pitchFamily="34" charset="0"/>
+              <a:buChar char="•"/>
+            </a:pPr>
+            <a:r>
+              <a:rPr lang="fr-FR" altLang="zh-CN" sz="3100" b="1" dirty="0" smtClean="0">
+                <a:solidFill>
+                  <a:schemeClr val="bg1"/>
+                </a:solidFill>
+                <a:latin typeface="Times New Roman" panose="02020603050405020304" charset="0"/>
+                <a:ea typeface="Calibri" panose="020F0502020204030204" pitchFamily="34" charset="0"/>
+                <a:cs typeface="Times New Roman" panose="02020603050405020304" charset="0"/>
+              </a:rPr>
+              <a:t>Ces données d'échantillon seront séparées en données de </a:t>
+            </a:r>
+            <a:r>
+              <a:rPr lang="fr-FR" altLang="zh-CN" sz="3100" b="1" dirty="0" smtClean="0">
+                <a:solidFill>
+                  <a:srgbClr val="FF0000"/>
+                </a:solidFill>
+                <a:latin typeface="Times New Roman" panose="02020603050405020304" charset="0"/>
+                <a:ea typeface="Calibri" panose="020F0502020204030204" pitchFamily="34" charset="0"/>
+                <a:cs typeface="Times New Roman" panose="02020603050405020304" charset="0"/>
+              </a:rPr>
+              <a:t>test </a:t>
+            </a:r>
+            <a:r>
+              <a:rPr lang="fr-FR" altLang="zh-CN" sz="3100" b="1" dirty="0" smtClean="0">
+                <a:solidFill>
+                  <a:schemeClr val="bg1"/>
+                </a:solidFill>
+                <a:latin typeface="Times New Roman" panose="02020603050405020304" charset="0"/>
+                <a:ea typeface="Calibri" panose="020F0502020204030204" pitchFamily="34" charset="0"/>
+                <a:cs typeface="Times New Roman" panose="02020603050405020304" charset="0"/>
+              </a:rPr>
+              <a:t>et en données </a:t>
+            </a:r>
+            <a:r>
+              <a:rPr lang="fr-FR" altLang="zh-CN" sz="3100" b="1" dirty="0" smtClean="0">
+                <a:solidFill>
+                  <a:srgbClr val="FF0000"/>
+                </a:solidFill>
+                <a:latin typeface="Times New Roman" panose="02020603050405020304" charset="0"/>
+                <a:ea typeface="Calibri" panose="020F0502020204030204" pitchFamily="34" charset="0"/>
+                <a:cs typeface="Times New Roman" panose="02020603050405020304" charset="0"/>
+              </a:rPr>
+              <a:t>d'entraînement</a:t>
+            </a:r>
+            <a:r>
+              <a:rPr lang="fr-FR" altLang="zh-CN" sz="3100" b="1" dirty="0" smtClean="0">
+                <a:solidFill>
+                  <a:schemeClr val="bg1"/>
+                </a:solidFill>
+                <a:latin typeface="Times New Roman" panose="02020603050405020304" charset="0"/>
+                <a:ea typeface="Calibri" panose="020F0502020204030204" pitchFamily="34" charset="0"/>
+                <a:cs typeface="Times New Roman" panose="02020603050405020304" charset="0"/>
+              </a:rPr>
+              <a:t>, et des </a:t>
+            </a:r>
+            <a:r>
+              <a:rPr lang="fr-FR" altLang="zh-CN" sz="3100" b="1" dirty="0" smtClean="0">
+                <a:solidFill>
+                  <a:srgbClr val="FF0000"/>
+                </a:solidFill>
+                <a:latin typeface="Times New Roman" panose="02020603050405020304" charset="0"/>
+                <a:ea typeface="Calibri" panose="020F0502020204030204" pitchFamily="34" charset="0"/>
+                <a:cs typeface="Times New Roman" panose="02020603050405020304" charset="0"/>
+              </a:rPr>
+              <a:t>algorithmes d'apprentissage</a:t>
+            </a:r>
+            <a:r>
+              <a:rPr lang="fr-FR" altLang="zh-CN" sz="3100" b="1" dirty="0" smtClean="0">
+                <a:solidFill>
+                  <a:schemeClr val="bg1"/>
+                </a:solidFill>
+                <a:latin typeface="Times New Roman" panose="02020603050405020304" charset="0"/>
+                <a:ea typeface="Calibri" panose="020F0502020204030204" pitchFamily="34" charset="0"/>
+                <a:cs typeface="Times New Roman" panose="02020603050405020304" charset="0"/>
+              </a:rPr>
+              <a:t> seront utilisés pour analyser ces données.</a:t>
+            </a:r>
+            <a:endParaRPr lang="fr-FR" altLang="zh-CN" sz="3100" b="1" dirty="0" smtClean="0">
+              <a:solidFill>
+                <a:schemeClr val="bg1"/>
+              </a:solidFill>
+              <a:latin typeface="Times New Roman" panose="02020603050405020304" charset="0"/>
+              <a:ea typeface="Calibri" panose="020F0502020204030204" pitchFamily="34" charset="0"/>
+              <a:cs typeface="Times New Roman" panose="02020603050405020304" charset="0"/>
+            </a:endParaRPr>
+          </a:p>
+        </p:txBody>
+      </p:sp>
+      <p:sp>
+        <p:nvSpPr>
+          <p:cNvPr id="2" name="文本框 4"/>
           <p:cNvSpPr txBox="1"/>
           <p:nvPr/>
         </p:nvSpPr>
         <p:spPr>
           <a:xfrm>
-            <a:off x="0" y="0"/>
-            <a:ext cx="7722870" cy="829945"/>
+            <a:off x="268605" y="255905"/>
+            <a:ext cx="11677650" cy="829945"/>
           </a:xfrm>
           <a:prstGeom prst="rect">
             <a:avLst/>
@@ -7740,16 +8042,12 @@
           </a:bodyPr>
           <a:lstStyle/>
           <a:p>
-            <a:pPr algn="l"/>
             <a:r>
               <a:rPr lang="fr-FR" altLang="zh-CN" sz="4800" b="1" dirty="0">
                 <a:ln w="12700" cmpd="sng">
                   <a:noFill/>
                   <a:prstDash val="solid"/>
                 </a:ln>
-                <a:solidFill>
-                  <a:schemeClr val="bg1"/>
-                </a:solidFill>
                 <a:effectLst>
                   <a:outerShdw blurRad="38100" dist="38100" dir="2700000" algn="tl">
                     <a:srgbClr val="000000">
@@ -7757,11 +8055,15 @@
                     </a:srgbClr>
                   </a:outerShdw>
                 </a:effectLst>
-                <a:latin typeface="Times New Roman" panose="02020603050405020304" charset="0"/>
-                <a:ea typeface="Calibri" panose="020F0502020204030204" pitchFamily="34" charset="0"/>
-                <a:cs typeface="Times New Roman" panose="02020603050405020304" charset="0"/>
-              </a:rPr>
-              <a:t>Présentation du projet    </a:t>
+                <a:highlight>
+                  <a:srgbClr val="FF0000"/>
+                </a:highlight>
+                <a:latin typeface="Times New Roman" panose="02020603050405020304" charset="0"/>
+                <a:ea typeface="Calibri" panose="020F0502020204030204" pitchFamily="34" charset="0"/>
+                <a:cs typeface="Times New Roman" panose="02020603050405020304" charset="0"/>
+                <a:sym typeface="+mn-ea"/>
+              </a:rPr>
+              <a:t>La méthodologie de travail.</a:t>
             </a:r>
             <a:endParaRPr lang="fr-FR" altLang="zh-CN" sz="4800" b="1" dirty="0">
               <a:ln w="12700" cmpd="sng">
@@ -7785,6 +8087,233 @@
           </a:p>
         </p:txBody>
       </p:sp>
+    </p:spTree>
+  </p:cSld>
+  <p:clrMapOvr>
+    <a:masterClrMapping/>
+  </p:clrMapOvr>
+  <p:timing>
+    <p:tnLst>
+      <p:par>
+        <p:cTn id="1" dur="indefinite" restart="never" nodeType="tmRoot">
+          <p:childTnLst>
+            <p:seq concurrent="1" nextAc="seek">
+              <p:cTn id="2" dur="indefinite" nodeType="mainSeq">
+                <p:childTnLst>
+                  <p:par>
+                    <p:cTn id="3" fill="hold">
+                      <p:stCondLst>
+                        <p:cond delay="indefinite"/>
+                      </p:stCondLst>
+                      <p:childTnLst>
+                        <p:par>
+                          <p:cTn id="4" fill="hold">
+                            <p:stCondLst>
+                              <p:cond delay="0"/>
+                            </p:stCondLst>
+                            <p:childTnLst>
+                              <p:par>
+                                <p:cTn id="5" presetID="18" presetClass="entr" presetSubtype="12" fill="hold" nodeType="clickEffect">
+                                  <p:stCondLst>
+                                    <p:cond delay="0"/>
+                                  </p:stCondLst>
+                                  <p:childTnLst>
+                                    <p:set>
+                                      <p:cBhvr>
+                                        <p:cTn id="6" dur="1" fill="hold">
+                                          <p:stCondLst>
+                                            <p:cond delay="0"/>
+                                          </p:stCondLst>
+                                        </p:cTn>
+                                        <p:tgtEl>
+                                          <p:spTgt spid="4"/>
+                                        </p:tgtEl>
+                                        <p:attrNameLst>
+                                          <p:attrName>style.visibility</p:attrName>
+                                        </p:attrNameLst>
+                                      </p:cBhvr>
+                                      <p:to>
+                                        <p:strVal val="visible"/>
+                                      </p:to>
+                                    </p:set>
+                                    <p:animEffect transition="in" filter="strips(downLeft)">
+                                      <p:cBhvr>
+                                        <p:cTn id="7" dur="500"/>
+                                        <p:tgtEl>
+                                          <p:spTgt spid="4"/>
+                                        </p:tgtEl>
+                                      </p:cBhvr>
+                                    </p:animEffect>
+                                  </p:childTnLst>
+                                </p:cTn>
+                              </p:par>
+                            </p:childTnLst>
+                          </p:cTn>
+                        </p:par>
+                      </p:childTnLst>
+                    </p:cTn>
+                  </p:par>
+                </p:childTnLst>
+              </p:cTn>
+              <p:prevCondLst>
+                <p:cond evt="onPrev" delay="0">
+                  <p:tgtEl>
+                    <p:sldTgt/>
+                  </p:tgtEl>
+                </p:cond>
+              </p:prevCondLst>
+              <p:nextCondLst>
+                <p:cond evt="onNext" delay="0">
+                  <p:tgtEl>
+                    <p:sldTgt/>
+                  </p:tgtEl>
+                </p:cond>
+              </p:nextCondLst>
+            </p:seq>
+          </p:childTnLst>
+        </p:cTn>
+      </p:par>
+    </p:tnLst>
+  </p:timing>
+</p:sld>
+</file>
+
+<file path=ppt/slides/slide8.xml><?xml version="1.0" encoding="utf-8"?>
+<p:sld xmlns:a="http://schemas.openxmlformats.org/drawingml/2006/main" xmlns:r="http://schemas.openxmlformats.org/officeDocument/2006/relationships" xmlns:p="http://schemas.openxmlformats.org/presentationml/2006/main">
+  <p:cSld>
+    <p:spTree>
+      <p:nvGrpSpPr>
+        <p:cNvPr id="1" name=""/>
+        <p:cNvGrpSpPr/>
+        <p:nvPr/>
+      </p:nvGrpSpPr>
+      <p:grpSpPr>
+        <a:xfrm>
+          <a:off x="0" y="0"/>
+          <a:ext cx="0" cy="0"/>
+          <a:chOff x="0" y="0"/>
+          <a:chExt cx="0" cy="0"/>
+        </a:xfrm>
+      </p:grpSpPr>
+      <p:sp>
+        <p:nvSpPr>
+          <p:cNvPr id="9" name="文本框 5"/>
+          <p:cNvSpPr txBox="1"/>
+          <p:nvPr/>
+        </p:nvSpPr>
+        <p:spPr>
+          <a:xfrm>
+            <a:off x="7844790" y="8890"/>
+            <a:ext cx="4347210" cy="820420"/>
+          </a:xfrm>
+          <a:prstGeom prst="rect">
+            <a:avLst/>
+          </a:prstGeom>
+          <a:solidFill>
+            <a:schemeClr val="accent1">
+              <a:lumMod val="75000"/>
+            </a:schemeClr>
+          </a:solidFill>
+        </p:spPr>
+        <p:txBody>
+          <a:bodyPr wrap="square" lIns="0" tIns="0" rIns="0" bIns="0" rtlCol="0">
+            <a:noAutofit/>
+          </a:bodyPr>
+          <a:lstStyle/>
+          <a:p>
+            <a:pPr indent="0" algn="l" fontAlgn="ctr">
+              <a:buFont typeface="+mj-lt"/>
+              <a:buNone/>
+            </a:pPr>
+            <a:endParaRPr lang="fr-FR" altLang="zh-CN" sz="3200" b="1" dirty="0">
+              <a:solidFill>
+                <a:schemeClr val="accent4">
+                  <a:lumMod val="40000"/>
+                  <a:lumOff val="60000"/>
+                </a:schemeClr>
+              </a:solidFill>
+              <a:latin typeface="Times New Roman" panose="02020603050405020304" charset="0"/>
+              <a:ea typeface="Calibri" panose="020F0502020204030204" pitchFamily="34" charset="0"/>
+              <a:cs typeface="Times New Roman" panose="02020603050405020304" charset="0"/>
+            </a:endParaRPr>
+          </a:p>
+        </p:txBody>
+      </p:sp>
+      <p:sp>
+        <p:nvSpPr>
+          <p:cNvPr id="16" name="文本框 4"/>
+          <p:cNvSpPr txBox="1"/>
+          <p:nvPr/>
+        </p:nvSpPr>
+        <p:spPr>
+          <a:xfrm>
+            <a:off x="0" y="0"/>
+            <a:ext cx="7722870" cy="829945"/>
+          </a:xfrm>
+          <a:prstGeom prst="rect">
+            <a:avLst/>
+          </a:prstGeom>
+          <a:solidFill>
+            <a:schemeClr val="accent1">
+              <a:lumMod val="75000"/>
+            </a:schemeClr>
+          </a:solidFill>
+          <a:ln>
+            <a:noFill/>
+          </a:ln>
+        </p:spPr>
+        <p:txBody>
+          <a:bodyPr wrap="square" rtlCol="0">
+            <a:spAutoFit/>
+          </a:bodyPr>
+          <a:lstStyle/>
+          <a:p>
+            <a:pPr algn="l"/>
+            <a:r>
+              <a:rPr lang="fr-FR" altLang="zh-CN" sz="4800" b="1" dirty="0">
+                <a:ln w="12700" cmpd="sng">
+                  <a:noFill/>
+                  <a:prstDash val="solid"/>
+                </a:ln>
+                <a:effectLst>
+                  <a:outerShdw blurRad="38100" dist="38100" dir="2700000" algn="tl">
+                    <a:srgbClr val="000000">
+                      <a:alpha val="43137"/>
+                    </a:srgbClr>
+                  </a:outerShdw>
+                </a:effectLst>
+                <a:highlight>
+                  <a:srgbClr val="FF0000"/>
+                </a:highlight>
+                <a:latin typeface="Times New Roman" panose="02020603050405020304" charset="0"/>
+                <a:ea typeface="Calibri" panose="020F0502020204030204" pitchFamily="34" charset="0"/>
+                <a:cs typeface="Times New Roman" panose="02020603050405020304" charset="0"/>
+                <a:sym typeface="+mn-ea"/>
+              </a:rPr>
+              <a:t>Les Données.</a:t>
+            </a:r>
+            <a:endParaRPr lang="fr-FR" altLang="zh-CN" sz="4800" b="1" dirty="0">
+              <a:ln w="12700" cmpd="sng">
+                <a:noFill/>
+                <a:prstDash val="solid"/>
+              </a:ln>
+              <a:solidFill>
+                <a:schemeClr val="bg1"/>
+              </a:solidFill>
+              <a:effectLst>
+                <a:outerShdw blurRad="38100" dist="38100" dir="2700000" algn="tl">
+                  <a:srgbClr val="000000">
+                    <a:alpha val="43137"/>
+                  </a:srgbClr>
+                </a:outerShdw>
+              </a:effectLst>
+              <a:latin typeface="Times New Roman" panose="02020603050405020304" charset="0"/>
+              <a:ea typeface="Calibri" panose="020F0502020204030204" pitchFamily="34" charset="0"/>
+              <a:cs typeface="Times New Roman" panose="02020603050405020304" charset="0"/>
+            </a:endParaRPr>
+          </a:p>
+        </p:txBody>
+      </p:sp>
       <p:sp>
         <p:nvSpPr>
           <p:cNvPr id="17" name="Organigramme : Procédé prédéfini 16"/>
@@ -7794,7 +8323,7 @@
         <p:spPr>
           <a:xfrm>
             <a:off x="60960" y="999490"/>
-            <a:ext cx="11896090" cy="1177925"/>
+            <a:ext cx="12019280" cy="1177925"/>
           </a:xfrm>
           <a:prstGeom prst="flowChartPredefinedProcess">
             <a:avLst/>
@@ -7893,7 +8422,7 @@
         <p:spPr>
           <a:xfrm>
             <a:off x="60960" y="2600960"/>
-            <a:ext cx="11809730" cy="1177925"/>
+            <a:ext cx="12019915" cy="1177925"/>
           </a:xfrm>
           <a:prstGeom prst="flowChartPredefinedProcess">
             <a:avLst/>
@@ -7966,7 +8495,7 @@
         <p:spPr>
           <a:xfrm>
             <a:off x="0" y="4075430"/>
-            <a:ext cx="11870690" cy="1177925"/>
+            <a:ext cx="12080240" cy="1177925"/>
           </a:xfrm>
           <a:prstGeom prst="flowChartPredefinedProcess">
             <a:avLst/>
@@ -8052,7 +8581,7 @@
         <p:spPr>
           <a:xfrm>
             <a:off x="0" y="5549900"/>
-            <a:ext cx="11870690" cy="1177925"/>
+            <a:ext cx="12080240" cy="1177925"/>
           </a:xfrm>
           <a:prstGeom prst="flowChartPredefinedProcess">
             <a:avLst/>
@@ -8140,7 +8669,7 @@
 </p:sld>
 </file>
 
-<file path=ppt/slides/slide8.xml><?xml version="1.0" encoding="utf-8"?>
+<file path=ppt/slides/slide9.xml><?xml version="1.0" encoding="utf-8"?>
 <p:sld xmlns:a="http://schemas.openxmlformats.org/drawingml/2006/main" xmlns:r="http://schemas.openxmlformats.org/officeDocument/2006/relationships" xmlns:p="http://schemas.openxmlformats.org/presentationml/2006/main">
   <p:cSld>
     <p:spTree>
@@ -8276,7 +8805,7 @@
           </p:nvSpPr>
           <p:spPr>
             <a:xfrm>
-              <a:off x="5524223" y="3736130"/>
+              <a:off x="5527398" y="4573060"/>
               <a:ext cx="1137002" cy="1123950"/>
             </a:xfrm>
             <a:prstGeom prst="ellipse">
@@ -8482,7 +9011,7 @@
         </p:blipFill>
         <p:spPr>
           <a:xfrm>
-            <a:off x="5910577" y="3770321"/>
+            <a:off x="5910577" y="4620586"/>
             <a:ext cx="493377" cy="493377"/>
           </a:xfrm>
           <a:prstGeom prst="rect">
@@ -8798,87 +9327,21 @@
       </p:sp>
       <p:sp>
         <p:nvSpPr>
-          <p:cNvPr id="5" name="文本框 5"/>
+          <p:cNvPr id="6" name="文本框 4"/>
           <p:cNvSpPr txBox="1"/>
           <p:nvPr/>
         </p:nvSpPr>
         <p:spPr>
           <a:xfrm>
-            <a:off x="7545193" y="201295"/>
-            <a:ext cx="5001895" cy="614045"/>
+            <a:off x="0" y="0"/>
+            <a:ext cx="12193270" cy="829945"/>
           </a:xfrm>
           <a:prstGeom prst="rect">
             <a:avLst/>
           </a:prstGeom>
-          <a:noFill/>
-        </p:spPr>
-        <p:txBody>
-          <a:bodyPr wrap="square" lIns="0" tIns="0" rIns="0" bIns="0" rtlCol="0">
-            <a:noAutofit/>
-          </a:bodyPr>
-          <a:lstStyle/>
-          <a:p>
-            <a:pPr indent="0" algn="l">
-              <a:buFont typeface="+mj-lt"/>
-              <a:buNone/>
-            </a:pPr>
-            <a:r>
-              <a:rPr lang="fr-FR" altLang="zh-CN" sz="3200" b="1" dirty="0" smtClean="0">
-                <a:solidFill>
-                  <a:schemeClr val="bg1"/>
-                </a:solidFill>
-                <a:highlight>
-                  <a:srgbClr val="000080"/>
-                </a:highlight>
-                <a:latin typeface="Times New Roman" panose="02020603050405020304" charset="0"/>
-                <a:ea typeface="Calibri" panose="020F0502020204030204" pitchFamily="34" charset="0"/>
-                <a:cs typeface="Times New Roman" panose="02020603050405020304" charset="0"/>
-              </a:rPr>
-              <a:t>D. Traitement </a:t>
-            </a:r>
-            <a:r>
-              <a:rPr lang="fr-FR" altLang="zh-CN" sz="3200" b="1" dirty="0">
-                <a:solidFill>
-                  <a:schemeClr val="bg1"/>
-                </a:solidFill>
-                <a:highlight>
-                  <a:srgbClr val="000080"/>
-                </a:highlight>
-                <a:latin typeface="Times New Roman" panose="02020603050405020304" charset="0"/>
-                <a:ea typeface="Calibri" panose="020F0502020204030204" pitchFamily="34" charset="0"/>
-                <a:cs typeface="Times New Roman" panose="02020603050405020304" charset="0"/>
-              </a:rPr>
-              <a:t>des données</a:t>
-            </a:r>
-            <a:endParaRPr lang="fr-FR" altLang="zh-CN" sz="3200" b="1" dirty="0">
-              <a:solidFill>
-                <a:schemeClr val="bg1"/>
-              </a:solidFill>
-              <a:highlight>
-                <a:srgbClr val="000080"/>
-              </a:highlight>
-              <a:latin typeface="Times New Roman" panose="02020603050405020304" charset="0"/>
-              <a:ea typeface="Calibri" panose="020F0502020204030204" pitchFamily="34" charset="0"/>
-              <a:cs typeface="Times New Roman" panose="02020603050405020304" charset="0"/>
-            </a:endParaRPr>
-          </a:p>
-        </p:txBody>
-      </p:sp>
-      <p:sp>
-        <p:nvSpPr>
-          <p:cNvPr id="6" name="文本框 4"/>
-          <p:cNvSpPr txBox="1"/>
-          <p:nvPr/>
-        </p:nvSpPr>
-        <p:spPr>
-          <a:xfrm>
-            <a:off x="0" y="0"/>
-            <a:ext cx="7722870" cy="829945"/>
-          </a:xfrm>
-          <a:prstGeom prst="rect">
-            <a:avLst/>
-          </a:prstGeom>
-          <a:noFill/>
+          <a:solidFill>
+            <a:srgbClr val="1B2595"/>
+          </a:solidFill>
           <a:ln>
             <a:noFill/>
           </a:ln>
@@ -8890,6 +9353,36 @@
           <a:lstStyle/>
           <a:p>
             <a:pPr algn="l"/>
+            <a:r>
+              <a:rPr lang="fr-FR" altLang="zh-CN" sz="4800" b="1" dirty="0" smtClean="0">
+                <a:solidFill>
+                  <a:schemeClr val="bg1"/>
+                </a:solidFill>
+                <a:highlight>
+                  <a:srgbClr val="FF0000"/>
+                </a:highlight>
+                <a:latin typeface="Times New Roman" panose="02020603050405020304" charset="0"/>
+                <a:ea typeface="Calibri" panose="020F0502020204030204" pitchFamily="34" charset="0"/>
+                <a:cs typeface="Times New Roman" panose="02020603050405020304" charset="0"/>
+                <a:sym typeface="+mn-ea"/>
+              </a:rPr>
+              <a:t>Traitement </a:t>
+            </a:r>
+            <a:r>
+              <a:rPr lang="fr-FR" altLang="zh-CN" sz="4800" b="1" dirty="0">
+                <a:solidFill>
+                  <a:schemeClr val="bg1"/>
+                </a:solidFill>
+                <a:highlight>
+                  <a:srgbClr val="FF0000"/>
+                </a:highlight>
+                <a:latin typeface="Times New Roman" panose="02020603050405020304" charset="0"/>
+                <a:ea typeface="Calibri" panose="020F0502020204030204" pitchFamily="34" charset="0"/>
+                <a:cs typeface="Times New Roman" panose="02020603050405020304" charset="0"/>
+                <a:sym typeface="+mn-ea"/>
+              </a:rPr>
+              <a:t>des données.</a:t>
+            </a:r>
             <a:r>
               <a:rPr lang="fr-FR" altLang="zh-CN" sz="4800" b="1" dirty="0">
                 <a:ln w="12700" cmpd="sng">
@@ -8913,7 +9406,7 @@
                 <a:ea typeface="Calibri" panose="020F0502020204030204" pitchFamily="34" charset="0"/>
                 <a:cs typeface="Times New Roman" panose="02020603050405020304" charset="0"/>
               </a:rPr>
-              <a:t>Présentation du projet    </a:t>
+              <a:t>    </a:t>
             </a:r>
             <a:endParaRPr lang="fr-FR" altLang="zh-CN" sz="4800" b="1" dirty="0">
               <a:ln w="12700" cmpd="sng">
@@ -8940,45 +9433,23 @@
           </a:p>
         </p:txBody>
       </p:sp>
-      <p:pic>
-        <p:nvPicPr>
-          <p:cNvPr id="7" name="Image 6" descr="R"/>
-          <p:cNvPicPr>
-            <a:picLocks noChangeAspect="1"/>
-          </p:cNvPicPr>
+      <p:sp>
+        <p:nvSpPr>
+          <p:cNvPr id="22" name="文本框 5"/>
+          <p:cNvSpPr txBox="1"/>
           <p:nvPr/>
-        </p:nvPicPr>
-        <p:blipFill>
-          <a:blip r:embed="rId4"/>
-          <a:stretch>
-            <a:fillRect/>
-          </a:stretch>
-        </p:blipFill>
+        </p:nvSpPr>
         <p:spPr>
           <a:xfrm>
-            <a:off x="6499225" y="141605"/>
-            <a:ext cx="910590" cy="673735"/>
+            <a:off x="7972425" y="3228340"/>
+            <a:ext cx="3872865" cy="614045"/>
           </a:xfrm>
           <a:prstGeom prst="rect">
             <a:avLst/>
           </a:prstGeom>
-        </p:spPr>
-      </p:pic>
-      <p:sp>
-        <p:nvSpPr>
-          <p:cNvPr id="22" name="文本框 5"/>
-          <p:cNvSpPr txBox="1"/>
-          <p:nvPr/>
-        </p:nvSpPr>
-        <p:spPr>
-          <a:xfrm>
-            <a:off x="4755256" y="4894271"/>
-            <a:ext cx="2804017" cy="614045"/>
-          </a:xfrm>
-          <a:prstGeom prst="rect">
-            <a:avLst/>
-          </a:prstGeom>
-          <a:noFill/>
+          <a:solidFill>
+            <a:srgbClr val="FF0000"/>
+          </a:solidFill>
         </p:spPr>
         <p:txBody>
           <a:bodyPr wrap="square" lIns="0" tIns="0" rIns="0" bIns="0" rtlCol="0">
@@ -8991,25 +9462,25 @@
               <a:buNone/>
             </a:pPr>
             <a:r>
-              <a:rPr lang="fr-FR" altLang="zh-CN" sz="3200" b="1" dirty="0" smtClean="0">
-                <a:solidFill>
+              <a:rPr lang="fr-FR" altLang="zh-CN" sz="3200" b="1" dirty="0">
+                <a:solidFill>
+                  <a:schemeClr val="bg1"/>
+                </a:solidFill>
+                <a:highlight>
                   <a:srgbClr val="FF0000"/>
-                </a:solidFill>
-                <a:highlight>
-                  <a:srgbClr val="000080"/>
                 </a:highlight>
                 <a:latin typeface="Times New Roman" panose="02020603050405020304" charset="0"/>
                 <a:ea typeface="Calibri" panose="020F0502020204030204" pitchFamily="34" charset="0"/>
                 <a:cs typeface="Times New Roman" panose="02020603050405020304" charset="0"/>
               </a:rPr>
-              <a:t>E. Visualisation</a:t>
+              <a:t>Les outils techniques</a:t>
             </a:r>
             <a:endParaRPr lang="fr-FR" altLang="zh-CN" sz="3200" b="1" dirty="0">
               <a:solidFill>
-                <a:srgbClr val="FF0000"/>
+                <a:schemeClr val="bg1"/>
               </a:solidFill>
               <a:highlight>
-                <a:srgbClr val="000080"/>
+                <a:srgbClr val="FF0000"/>
               </a:highlight>
               <a:latin typeface="Times New Roman" panose="02020603050405020304" charset="0"/>
               <a:ea typeface="Calibri" panose="020F0502020204030204" pitchFamily="34" charset="0"/>
@@ -9026,7 +9497,7 @@
         </p:nvSpPr>
         <p:spPr>
           <a:xfrm>
-            <a:off x="7971790" y="4017010"/>
+            <a:off x="7971790" y="4368165"/>
             <a:ext cx="3873500" cy="746125"/>
           </a:xfrm>
           <a:prstGeom prst="flowChartPredefinedProcess">
@@ -9084,7 +9555,7 @@
         </p:nvSpPr>
         <p:spPr>
           <a:xfrm>
-            <a:off x="7971790" y="5201293"/>
+            <a:off x="7971790" y="5640078"/>
             <a:ext cx="3873500" cy="746125"/>
           </a:xfrm>
           <a:prstGeom prst="flowChartInternalStorage">
@@ -9149,405 +9620,6 @@
   <p:transition spd="slow">
     <p:wedge/>
   </p:transition>
-</p:sld>
-</file>
-
-<file path=ppt/slides/slide9.xml><?xml version="1.0" encoding="utf-8"?>
-<p:sld xmlns:a="http://schemas.openxmlformats.org/drawingml/2006/main" xmlns:r="http://schemas.openxmlformats.org/officeDocument/2006/relationships" xmlns:p="http://schemas.openxmlformats.org/presentationml/2006/main">
-  <p:cSld>
-    <p:spTree>
-      <p:nvGrpSpPr>
-        <p:cNvPr id="1" name=""/>
-        <p:cNvGrpSpPr/>
-        <p:nvPr/>
-      </p:nvGrpSpPr>
-      <p:grpSpPr>
-        <a:xfrm>
-          <a:off x="0" y="0"/>
-          <a:ext cx="0" cy="0"/>
-          <a:chOff x="0" y="0"/>
-          <a:chExt cx="0" cy="0"/>
-        </a:xfrm>
-      </p:grpSpPr>
-      <p:pic>
-        <p:nvPicPr>
-          <p:cNvPr id="3" name="图片 2"/>
-          <p:cNvPicPr>
-            <a:picLocks noChangeAspect="1"/>
-          </p:cNvPicPr>
-          <p:nvPr/>
-        </p:nvPicPr>
-        <p:blipFill>
-          <a:blip r:embed="rId1"/>
-          <a:stretch>
-            <a:fillRect/>
-          </a:stretch>
-        </p:blipFill>
-        <p:spPr>
-          <a:xfrm>
-            <a:off x="125095" y="1177925"/>
-            <a:ext cx="6897370" cy="5051425"/>
-          </a:xfrm>
-          <a:prstGeom prst="rect">
-            <a:avLst/>
-          </a:prstGeom>
-        </p:spPr>
-      </p:pic>
-      <p:sp>
-        <p:nvSpPr>
-          <p:cNvPr id="8" name="文本框 5"/>
-          <p:cNvSpPr txBox="1"/>
-          <p:nvPr/>
-        </p:nvSpPr>
-        <p:spPr>
-          <a:xfrm>
-            <a:off x="8440615" y="141605"/>
-            <a:ext cx="3854255" cy="614045"/>
-          </a:xfrm>
-          <a:prstGeom prst="rect">
-            <a:avLst/>
-          </a:prstGeom>
-          <a:noFill/>
-        </p:spPr>
-        <p:txBody>
-          <a:bodyPr wrap="square" lIns="0" tIns="0" rIns="0" bIns="0" rtlCol="0">
-            <a:noAutofit/>
-          </a:bodyPr>
-          <a:lstStyle/>
-          <a:p>
-            <a:pPr indent="0" algn="l">
-              <a:buFont typeface="+mj-lt"/>
-              <a:buNone/>
-            </a:pPr>
-            <a:r>
-              <a:rPr lang="fr-FR" altLang="zh-CN" sz="3200" b="1" dirty="0" smtClean="0">
-                <a:solidFill>
-                  <a:srgbClr val="92D050"/>
-                </a:solidFill>
-                <a:highlight>
-                  <a:srgbClr val="000080"/>
-                </a:highlight>
-                <a:latin typeface="Times New Roman" panose="02020603050405020304" charset="0"/>
-                <a:ea typeface="Calibri" panose="020F0502020204030204" pitchFamily="34" charset="0"/>
-                <a:cs typeface="Times New Roman" panose="02020603050405020304" charset="0"/>
-              </a:rPr>
-              <a:t>E. </a:t>
-            </a:r>
-            <a:r>
-              <a:rPr lang="fr-FR" altLang="zh-CN" sz="3200" b="1" dirty="0" smtClean="0">
-                <a:solidFill>
-                  <a:srgbClr val="92D050"/>
-                </a:solidFill>
-                <a:highlight>
-                  <a:srgbClr val="000080"/>
-                </a:highlight>
-                <a:latin typeface="Times New Roman" panose="02020603050405020304" charset="0"/>
-                <a:ea typeface="Calibri" panose="020F0502020204030204" pitchFamily="34" charset="0"/>
-                <a:cs typeface="Times New Roman" panose="02020603050405020304" charset="0"/>
-              </a:rPr>
-              <a:t>Résultats </a:t>
-            </a:r>
-            <a:r>
-              <a:rPr lang="fr-FR" altLang="zh-CN" sz="3200" b="1" dirty="0">
-                <a:solidFill>
-                  <a:srgbClr val="92D050"/>
-                </a:solidFill>
-                <a:highlight>
-                  <a:srgbClr val="000080"/>
-                </a:highlight>
-                <a:latin typeface="Times New Roman" panose="02020603050405020304" charset="0"/>
-                <a:ea typeface="Calibri" panose="020F0502020204030204" pitchFamily="34" charset="0"/>
-                <a:cs typeface="Times New Roman" panose="02020603050405020304" charset="0"/>
-              </a:rPr>
-              <a:t>attendus</a:t>
-            </a:r>
-            <a:endParaRPr lang="fr-FR" altLang="zh-CN" sz="3200" b="1" dirty="0">
-              <a:solidFill>
-                <a:srgbClr val="92D050"/>
-              </a:solidFill>
-              <a:highlight>
-                <a:srgbClr val="000080"/>
-              </a:highlight>
-              <a:latin typeface="Times New Roman" panose="02020603050405020304" charset="0"/>
-              <a:ea typeface="Calibri" panose="020F0502020204030204" pitchFamily="34" charset="0"/>
-              <a:cs typeface="Times New Roman" panose="02020603050405020304" charset="0"/>
-            </a:endParaRPr>
-          </a:p>
-        </p:txBody>
-      </p:sp>
-      <p:sp>
-        <p:nvSpPr>
-          <p:cNvPr id="9" name="文本框 4"/>
-          <p:cNvSpPr txBox="1"/>
-          <p:nvPr/>
-        </p:nvSpPr>
-        <p:spPr>
-          <a:xfrm>
-            <a:off x="0" y="0"/>
-            <a:ext cx="7722870" cy="829945"/>
-          </a:xfrm>
-          <a:prstGeom prst="rect">
-            <a:avLst/>
-          </a:prstGeom>
-          <a:noFill/>
-          <a:ln>
-            <a:noFill/>
-          </a:ln>
-        </p:spPr>
-        <p:txBody>
-          <a:bodyPr wrap="square" rtlCol="0">
-            <a:spAutoFit/>
-          </a:bodyPr>
-          <a:lstStyle/>
-          <a:p>
-            <a:pPr algn="l"/>
-            <a:r>
-              <a:rPr lang="fr-FR" altLang="zh-CN" sz="4800" b="1" dirty="0">
-                <a:ln w="12700" cmpd="sng">
-                  <a:noFill/>
-                  <a:prstDash val="solid"/>
-                </a:ln>
-                <a:solidFill>
-                  <a:schemeClr val="bg1"/>
-                </a:solidFill>
-                <a:effectLst>
-                  <a:outerShdw blurRad="38100" dist="38100" dir="2700000" algn="tl">
-                    <a:srgbClr val="000000">
-                      <a:alpha val="43137"/>
-                    </a:srgbClr>
-                  </a:outerShdw>
-                </a:effectLst>
-                <a:highlight>
-                  <a:srgbClr val="000080"/>
-                </a:highlight>
-                <a:latin typeface="Times New Roman" panose="02020603050405020304" charset="0"/>
-                <a:ea typeface="Calibri" panose="020F0502020204030204" pitchFamily="34" charset="0"/>
-                <a:cs typeface="Times New Roman" panose="02020603050405020304" charset="0"/>
-              </a:rPr>
-              <a:t>Présentation du projet    </a:t>
-            </a:r>
-            <a:endParaRPr lang="fr-FR" altLang="zh-CN" sz="4800" b="1" dirty="0">
-              <a:ln w="12700" cmpd="sng">
-                <a:noFill/>
-                <a:prstDash val="solid"/>
-              </a:ln>
-              <a:solidFill>
-                <a:schemeClr val="bg1"/>
-              </a:solidFill>
-              <a:effectLst>
-                <a:outerShdw blurRad="38100" dist="38100" dir="2700000" algn="tl">
-                  <a:srgbClr val="000000">
-                    <a:alpha val="43137"/>
-                  </a:srgbClr>
-                </a:outerShdw>
-              </a:effectLst>
-              <a:highlight>
-                <a:srgbClr val="000080"/>
-              </a:highlight>
-              <a:latin typeface="Times New Roman" panose="02020603050405020304" charset="0"/>
-              <a:ea typeface="Calibri" panose="020F0502020204030204" pitchFamily="34" charset="0"/>
-              <a:cs typeface="Times New Roman" panose="02020603050405020304" charset="0"/>
-            </a:endParaRPr>
-          </a:p>
-        </p:txBody>
-      </p:sp>
-      <p:pic>
-        <p:nvPicPr>
-          <p:cNvPr id="10" name="Image 9" descr="R"/>
-          <p:cNvPicPr>
-            <a:picLocks noChangeAspect="1"/>
-          </p:cNvPicPr>
-          <p:nvPr/>
-        </p:nvPicPr>
-        <p:blipFill>
-          <a:blip r:embed="rId2"/>
-          <a:stretch>
-            <a:fillRect/>
-          </a:stretch>
-        </p:blipFill>
-        <p:spPr>
-          <a:xfrm>
-            <a:off x="1185300" y="3029902"/>
-            <a:ext cx="910590" cy="673735"/>
-          </a:xfrm>
-          <a:prstGeom prst="rect">
-            <a:avLst/>
-          </a:prstGeom>
-          <a:ln w="76200">
-            <a:solidFill>
-              <a:srgbClr val="002060"/>
-            </a:solidFill>
-          </a:ln>
-        </p:spPr>
-      </p:pic>
-      <p:sp>
-        <p:nvSpPr>
-          <p:cNvPr id="23" name="Organigramme : Procédé prédéfini 22"/>
-          <p:cNvSpPr/>
-          <p:nvPr/>
-        </p:nvSpPr>
-        <p:spPr>
-          <a:xfrm>
-            <a:off x="7346022" y="1177925"/>
-            <a:ext cx="4845978" cy="746125"/>
-          </a:xfrm>
-          <a:prstGeom prst="flowChartPredefinedProcess">
-            <a:avLst/>
-          </a:prstGeom>
-          <a:solidFill>
-            <a:srgbClr val="92D050"/>
-          </a:solidFill>
-          <a:ln w="76200">
-            <a:solidFill>
-              <a:srgbClr val="002060"/>
-            </a:solidFill>
-          </a:ln>
-        </p:spPr>
-        <p:style>
-          <a:lnRef idx="2">
-            <a:schemeClr val="accent1">
-              <a:lumMod val="75000"/>
-            </a:schemeClr>
-          </a:lnRef>
-          <a:fillRef idx="1">
-            <a:schemeClr val="accent1"/>
-          </a:fillRef>
-          <a:effectRef idx="0">
-            <a:srgbClr val="FFFFFF"/>
-          </a:effectRef>
-          <a:fontRef idx="minor">
-            <a:schemeClr val="lt1"/>
-          </a:fontRef>
-        </p:style>
-        <p:txBody>
-          <a:bodyPr rtlCol="0" anchor="ctr"/>
-          <a:lstStyle/>
-          <a:p>
-            <a:pPr algn="l"/>
-            <a:r>
-              <a:rPr lang="fr-FR" altLang="en-US" sz="2800" dirty="0">
-                <a:latin typeface="Times New Roman" panose="02020603050405020304" charset="0"/>
-                <a:cs typeface="Times New Roman" panose="02020603050405020304" charset="0"/>
-              </a:rPr>
-              <a:t>Tableau de bord</a:t>
-            </a:r>
-            <a:endParaRPr lang="fr-FR" altLang="en-US" sz="2800" dirty="0">
-              <a:latin typeface="Times New Roman" panose="02020603050405020304" charset="0"/>
-              <a:cs typeface="Times New Roman" panose="02020603050405020304" charset="0"/>
-            </a:endParaRPr>
-          </a:p>
-        </p:txBody>
-      </p:sp>
-      <p:sp>
-        <p:nvSpPr>
-          <p:cNvPr id="11" name="Organigramme : Procédé prédéfini 10"/>
-          <p:cNvSpPr/>
-          <p:nvPr/>
-        </p:nvSpPr>
-        <p:spPr>
-          <a:xfrm>
-            <a:off x="7346022" y="2620644"/>
-            <a:ext cx="4845978" cy="746125"/>
-          </a:xfrm>
-          <a:prstGeom prst="flowChartPredefinedProcess">
-            <a:avLst/>
-          </a:prstGeom>
-          <a:solidFill>
-            <a:srgbClr val="92D050"/>
-          </a:solidFill>
-          <a:ln w="76200">
-            <a:solidFill>
-              <a:srgbClr val="002060"/>
-            </a:solidFill>
-          </a:ln>
-        </p:spPr>
-        <p:style>
-          <a:lnRef idx="2">
-            <a:schemeClr val="accent1">
-              <a:lumMod val="75000"/>
-            </a:schemeClr>
-          </a:lnRef>
-          <a:fillRef idx="1">
-            <a:schemeClr val="accent1"/>
-          </a:fillRef>
-          <a:effectRef idx="0">
-            <a:srgbClr val="FFFFFF"/>
-          </a:effectRef>
-          <a:fontRef idx="minor">
-            <a:schemeClr val="lt1"/>
-          </a:fontRef>
-        </p:style>
-        <p:txBody>
-          <a:bodyPr rtlCol="0" anchor="ctr"/>
-          <a:lstStyle/>
-          <a:p>
-            <a:pPr algn="l"/>
-            <a:r>
-              <a:rPr lang="fr-FR" altLang="en-US" sz="2800" dirty="0">
-                <a:latin typeface="Times New Roman" panose="02020603050405020304" charset="0"/>
-                <a:cs typeface="Times New Roman" panose="02020603050405020304" charset="0"/>
-              </a:rPr>
-              <a:t>Rapport Technique</a:t>
-            </a:r>
-            <a:endParaRPr lang="fr-FR" altLang="en-US" sz="2800" dirty="0">
-              <a:latin typeface="Times New Roman" panose="02020603050405020304" charset="0"/>
-              <a:cs typeface="Times New Roman" panose="02020603050405020304" charset="0"/>
-            </a:endParaRPr>
-          </a:p>
-        </p:txBody>
-      </p:sp>
-      <p:sp>
-        <p:nvSpPr>
-          <p:cNvPr id="2" name="ZoneTexte 1"/>
-          <p:cNvSpPr txBox="1"/>
-          <p:nvPr/>
-        </p:nvSpPr>
-        <p:spPr>
-          <a:xfrm>
-            <a:off x="7346022" y="3854548"/>
-            <a:ext cx="4724058" cy="2246769"/>
-          </a:xfrm>
-          <a:prstGeom prst="rect">
-            <a:avLst/>
-          </a:prstGeom>
-          <a:noFill/>
-        </p:spPr>
-        <p:txBody>
-          <a:bodyPr wrap="square" rtlCol="0">
-            <a:spAutoFit/>
-          </a:bodyPr>
-          <a:lstStyle/>
-          <a:p>
-            <a:pPr algn="ctr"/>
-            <a:r>
-              <a:rPr lang="fr-FR" sz="2000" b="1" i="1" dirty="0" smtClean="0">
-                <a:latin typeface="Bell MT" panose="02020503060305020303" pitchFamily="18" charset="0"/>
-              </a:rPr>
-              <a:t>Voici une brève présentation du projet et des missions fixées afin de participer à la gestion des inondations au Sénégal. Elle rentre dans le cadre de la gestion participative des citoyens dans les problématiques rencontrées par les population.</a:t>
-            </a:r>
-            <a:endParaRPr lang="fr-FR" sz="2000" b="1" i="1" dirty="0">
-              <a:latin typeface="Bell MT" panose="02020503060305020303" pitchFamily="18" charset="0"/>
-            </a:endParaRPr>
-          </a:p>
-        </p:txBody>
-      </p:sp>
-    </p:spTree>
-  </p:cSld>
-  <p:clrMapOvr>
-    <a:masterClrMapping/>
-  </p:clrMapOvr>
-  <mc:AlternateContent xmlns:mc="http://schemas.openxmlformats.org/markup-compatibility/2006">
-    <mc:Choice xmlns:p15="http://schemas.microsoft.com/office/powerpoint/2012/main" Requires="p15">
-      <p:transition xmlns:p14="http://schemas.microsoft.com/office/powerpoint/2010/main" spd="slow" Requires="p14" p14:dur="1250">
-        <p15:prstTrans prst="pageCurlDouble"/>
-      </p:transition>
-    </mc:Choice>
-    <mc:Fallback>
-      <p:transition spd="slow">
-        <p:fade/>
-      </p:transition>
-    </mc:Fallback>
-  </mc:AlternateContent>
 </p:sld>
 </file>
 
